--- a/Цзяоцзы над США.pptx
+++ b/Цзяоцзы над США.pptx
@@ -110,6 +110,11 @@
       </a:defRPr>
     </a:lvl9pPr>
   </p:defaultTextStyle>
+  <p:extLst>
+    <p:ext uri="{EFAFB233-063F-42B5-8137-9DF3F51BA10A}">
+      <p15:sldGuideLst xmlns:p15="http://schemas.microsoft.com/office/powerpoint/2012/main"/>
+    </p:ext>
+  </p:extLst>
 </p:presentation>
 </file>
 
@@ -6177,8 +6182,8 @@
         </p:nvSpPr>
         <p:spPr>
           <a:xfrm>
-            <a:off x="677335" y="1984894"/>
-            <a:ext cx="8596668" cy="4042525"/>
+            <a:off x="758164" y="2059708"/>
+            <a:ext cx="1932861" cy="2828175"/>
           </a:xfrm>
         </p:spPr>
         <p:txBody>
@@ -6188,273 +6193,35 @@
           <a:lstStyle/>
           <a:p>
             <a:r>
-              <a:rPr lang="en-US" dirty="0"/>
-              <a:t>a</a:t>
-            </a:r>
-            <a:r>
-              <a:rPr lang="en-US" baseline="-25000" dirty="0"/>
-              <a:t>y</a:t>
-            </a:r>
-            <a:r>
-              <a:rPr lang="en-US" dirty="0"/>
-              <a:t> = </a:t>
-            </a:r>
-            <a:r>
-              <a:rPr lang="el-GR" dirty="0"/>
-              <a:t>ρ</a:t>
-            </a:r>
-            <a:r>
-              <a:rPr lang="ru-RU" baseline="-25000" dirty="0"/>
-              <a:t>воздуха</a:t>
-            </a:r>
-            <a:r>
-              <a:rPr lang="ru-RU" dirty="0"/>
-              <a:t>/</a:t>
-            </a:r>
-            <a:r>
-              <a:rPr lang="en-US" dirty="0"/>
-              <a:t>m</a:t>
-            </a:r>
-            <a:r>
-              <a:rPr lang="ru-RU" baseline="-25000" dirty="0"/>
-              <a:t>зонда</a:t>
-            </a:r>
-            <a:r>
-              <a:rPr lang="ru-RU" dirty="0"/>
-              <a:t> · </a:t>
-            </a:r>
-            <a:r>
-              <a:rPr lang="en-US" dirty="0"/>
-              <a:t>g · 4/3</a:t>
-            </a:r>
-            <a:r>
-              <a:rPr lang="el-GR" dirty="0" smtClean="0"/>
-              <a:t>π</a:t>
-            </a:r>
-            <a:endParaRPr lang="ru-RU" dirty="0" smtClean="0"/>
-          </a:p>
-          <a:p>
-            <a:r>
-              <a:rPr lang="en-US" dirty="0" smtClean="0"/>
-              <a:t>R</a:t>
-            </a:r>
-            <a:r>
-              <a:rPr lang="en-US" baseline="30000" dirty="0" smtClean="0"/>
-              <a:t>3</a:t>
-            </a:r>
-            <a:r>
-              <a:rPr lang="el-GR" dirty="0" smtClean="0"/>
-              <a:t> </a:t>
-            </a:r>
-            <a:r>
-              <a:rPr lang="ru-RU" baseline="-25000" dirty="0" smtClean="0"/>
-              <a:t>зонда</a:t>
-            </a:r>
-            <a:r>
-              <a:rPr lang="ru-RU" dirty="0" smtClean="0"/>
-              <a:t> </a:t>
-            </a:r>
-            <a:r>
-              <a:rPr lang="ru-RU" dirty="0"/>
-              <a:t>– </a:t>
-            </a:r>
-            <a:r>
-              <a:rPr lang="en-US" dirty="0" smtClean="0"/>
-              <a:t>g</a:t>
-            </a:r>
-            <a:endParaRPr lang="ru-RU" dirty="0" smtClean="0"/>
-          </a:p>
-          <a:p>
-            <a:r>
-              <a:rPr lang="en-US" dirty="0" smtClean="0"/>
-              <a:t> </a:t>
-            </a:r>
-            <a:r>
-              <a:rPr lang="en-US" dirty="0"/>
-              <a:t>a</a:t>
-            </a:r>
-            <a:r>
-              <a:rPr lang="en-US" baseline="-25000" dirty="0"/>
-              <a:t>x</a:t>
-            </a:r>
-            <a:r>
-              <a:rPr lang="en-US" dirty="0"/>
-              <a:t> = </a:t>
-            </a:r>
-            <a:r>
-              <a:rPr lang="en-US" dirty="0" smtClean="0"/>
-              <a:t>0</a:t>
-            </a:r>
-          </a:p>
-          <a:p>
-            <a:r>
-              <a:rPr lang="en-US" dirty="0" smtClean="0"/>
-              <a:t> </a:t>
-            </a:r>
-            <a:r>
-              <a:rPr lang="en-US" dirty="0"/>
-              <a:t>F</a:t>
-            </a:r>
-            <a:r>
-              <a:rPr lang="en-US" baseline="-25000" dirty="0"/>
-              <a:t>A</a:t>
-            </a:r>
-            <a:r>
-              <a:rPr lang="en-US" dirty="0"/>
-              <a:t> = </a:t>
-            </a:r>
-            <a:r>
-              <a:rPr lang="el-GR" dirty="0"/>
-              <a:t>ρ</a:t>
-            </a:r>
-            <a:r>
-              <a:rPr lang="ru-RU" baseline="-25000" dirty="0"/>
-              <a:t>воздуха</a:t>
-            </a:r>
-            <a:r>
-              <a:rPr lang="ru-RU" dirty="0"/>
-              <a:t> · </a:t>
-            </a:r>
-            <a:r>
-              <a:rPr lang="en-US" dirty="0"/>
-              <a:t>g · V</a:t>
-            </a:r>
-            <a:r>
-              <a:rPr lang="ru-RU" baseline="-25000" dirty="0" smtClean="0"/>
-              <a:t>зонда</a:t>
-            </a:r>
-            <a:endParaRPr lang="en-US" baseline="-25000" dirty="0" smtClean="0"/>
-          </a:p>
-          <a:p>
-            <a:r>
-              <a:rPr lang="ru-RU" dirty="0" smtClean="0"/>
-              <a:t> </a:t>
-            </a:r>
-            <a:r>
-              <a:rPr lang="en-US" dirty="0"/>
-              <a:t>V</a:t>
-            </a:r>
-            <a:r>
-              <a:rPr lang="ru-RU" baseline="-25000" dirty="0"/>
-              <a:t>зонда</a:t>
-            </a:r>
-            <a:r>
-              <a:rPr lang="ru-RU" dirty="0"/>
-              <a:t> = 4/3 · </a:t>
-            </a:r>
-            <a:r>
-              <a:rPr lang="el-GR" dirty="0"/>
-              <a:t>π · </a:t>
-            </a:r>
-            <a:r>
-              <a:rPr lang="en-US" dirty="0"/>
-              <a:t>R</a:t>
-            </a:r>
-            <a:r>
-              <a:rPr lang="en-US" baseline="30000" dirty="0"/>
-              <a:t>3</a:t>
-            </a:r>
-            <a:r>
-              <a:rPr lang="ru-RU" baseline="-25000" dirty="0" smtClean="0"/>
-              <a:t>зонда</a:t>
-            </a:r>
-            <a:endParaRPr lang="en-US" baseline="-25000" dirty="0" smtClean="0"/>
-          </a:p>
-          <a:p>
-            <a:r>
-              <a:rPr lang="ru-RU" dirty="0" smtClean="0"/>
-              <a:t> </a:t>
-            </a:r>
-            <a:r>
-              <a:rPr lang="el-GR" dirty="0"/>
-              <a:t>ρ</a:t>
-            </a:r>
-            <a:r>
-              <a:rPr lang="ru-RU" baseline="-25000" dirty="0"/>
-              <a:t>воздуха</a:t>
-            </a:r>
-            <a:r>
-              <a:rPr lang="ru-RU" dirty="0"/>
-              <a:t> = 1.2754 </a:t>
-            </a:r>
-            <a:r>
-              <a:rPr lang="ru-RU" dirty="0" smtClean="0"/>
-              <a:t>кг/м</a:t>
-            </a:r>
-            <a:r>
-              <a:rPr lang="ru-RU" baseline="30000" dirty="0" smtClean="0"/>
-              <a:t>3</a:t>
-            </a:r>
-            <a:endParaRPr lang="en-US" baseline="30000" dirty="0" smtClean="0"/>
-          </a:p>
-          <a:p>
-            <a:r>
-              <a:rPr lang="ru-RU" dirty="0" smtClean="0"/>
-              <a:t> </a:t>
-            </a:r>
-            <a:r>
-              <a:rPr lang="en-US" dirty="0"/>
-              <a:t>R = 1 </a:t>
-            </a:r>
-            <a:r>
-              <a:rPr lang="ru-RU" dirty="0" smtClean="0"/>
-              <a:t>м</a:t>
-            </a:r>
-            <a:endParaRPr lang="en-US" dirty="0" smtClean="0"/>
-          </a:p>
-          <a:p>
-            <a:r>
-              <a:rPr lang="ru-RU" dirty="0" smtClean="0"/>
-              <a:t> </a:t>
-            </a:r>
-            <a:r>
-              <a:rPr lang="en-US" dirty="0"/>
-              <a:t>m = </a:t>
-            </a:r>
-            <a:r>
-              <a:rPr lang="el-GR" dirty="0"/>
-              <a:t>ρ</a:t>
-            </a:r>
-            <a:r>
-              <a:rPr lang="ru-RU" baseline="-25000" dirty="0"/>
-              <a:t>зонда</a:t>
-            </a:r>
-            <a:r>
-              <a:rPr lang="ru-RU" dirty="0"/>
-              <a:t> · </a:t>
-            </a:r>
-            <a:r>
-              <a:rPr lang="en-US" dirty="0"/>
-              <a:t>V</a:t>
-            </a:r>
-            <a:r>
-              <a:rPr lang="ru-RU" baseline="-25000" dirty="0"/>
-              <a:t>зонда</a:t>
-            </a:r>
-            <a:r>
-              <a:rPr lang="ru-RU" dirty="0"/>
-              <a:t> + </a:t>
-            </a:r>
-            <a:r>
-              <a:rPr lang="ru-RU" dirty="0" smtClean="0"/>
-              <a:t>2</a:t>
-            </a:r>
-            <a:endParaRPr lang="en-US" dirty="0" smtClean="0"/>
-          </a:p>
-          <a:p>
-            <a:r>
-              <a:rPr lang="ru-RU" dirty="0" smtClean="0"/>
-              <a:t> </a:t>
-            </a:r>
-            <a:r>
-              <a:rPr lang="en-US" dirty="0"/>
-              <a:t>g = 𝐺∙</a:t>
-            </a:r>
-            <a:r>
-              <a:rPr lang="en-US" dirty="0" smtClean="0"/>
-              <a:t>𝑀/r2</a:t>
-            </a:r>
-            <a:endParaRPr lang="ru-RU" dirty="0"/>
+              <a:rPr lang="en-US" sz="2000" dirty="0" smtClean="0"/>
+              <a:t>Vox = 0</a:t>
+            </a:r>
+          </a:p>
+          <a:p>
+            <a:r>
+              <a:rPr lang="en-US" sz="2000" dirty="0" err="1" smtClean="0"/>
+              <a:t>Voy</a:t>
+            </a:r>
+            <a:r>
+              <a:rPr lang="en-US" sz="2000" dirty="0" smtClean="0"/>
+              <a:t> = 0</a:t>
+            </a:r>
+          </a:p>
+          <a:p>
+            <a:r>
+              <a:rPr lang="en-US" sz="2000" dirty="0" smtClean="0"/>
+              <a:t>X = 0</a:t>
+            </a:r>
+          </a:p>
+          <a:p>
+            <a:r>
+              <a:rPr lang="en-US" sz="2000" dirty="0" smtClean="0"/>
+              <a:t>Y = 8000</a:t>
+            </a:r>
+            <a:endParaRPr lang="en-US" sz="2000" baseline="30000" dirty="0"/>
+          </a:p>
+          <a:p>
+            <a:endParaRPr lang="en-US" sz="2000" dirty="0" smtClean="0"/>
           </a:p>
         </p:txBody>
       </p:sp>
@@ -6599,158 +6366,55 @@
           </a:p>
         </p:txBody>
       </p:sp>
+      <p:sp>
+        <p:nvSpPr>
+          <p:cNvPr id="5" name="Прямоугольник 4"/>
+          <p:cNvSpPr/>
+          <p:nvPr/>
+        </p:nvSpPr>
+        <p:spPr>
+          <a:xfrm>
+            <a:off x="3048000" y="3105835"/>
+            <a:ext cx="6096000" cy="646331"/>
+          </a:xfrm>
+          <a:prstGeom prst="rect">
+            <a:avLst/>
+          </a:prstGeom>
+        </p:spPr>
+        <p:txBody>
+          <a:bodyPr>
+            <a:spAutoFit/>
+          </a:bodyPr>
+          <a:lstStyle/>
+          <a:p>
+            <a:r>
+              <a:rPr lang="en-US" dirty="0"/>
+              <a:t/>
+            </a:r>
+            <a:br>
+              <a:rPr lang="en-US" dirty="0"/>
+            </a:br>
+            <a:endParaRPr lang="ru-RU" dirty="0"/>
+          </a:p>
+        </p:txBody>
+      </p:sp>
       <p:pic>
         <p:nvPicPr>
-          <p:cNvPr id="7" name="Рисунок 6"/>
+          <p:cNvPr id="6" name="Рисунок 5"/>
           <p:cNvPicPr>
             <a:picLocks noChangeAspect="1"/>
           </p:cNvPicPr>
           <p:nvPr/>
         </p:nvPicPr>
-        <p:blipFill>
-          <a:blip r:embed="rId2">
-            <a:extLst>
-              <a:ext uri="{28A0092B-C50C-407E-A947-70E740481C1C}">
-                <a14:useLocalDpi xmlns:a14="http://schemas.microsoft.com/office/drawing/2010/main" val="0"/>
-              </a:ext>
-            </a:extLst>
-          </a:blip>
-          <a:stretch>
-            <a:fillRect/>
-          </a:stretch>
+        <p:blipFill rotWithShape="1">
+          <a:blip r:embed="rId2"/>
+          <a:srcRect l="40662" t="39267" r="39684" b="31937"/>
+          <a:stretch/>
         </p:blipFill>
         <p:spPr>
           <a:xfrm>
-            <a:off x="1440180" y="4935060"/>
-            <a:ext cx="2088347" cy="479108"/>
-          </a:xfrm>
-          <a:prstGeom prst="rect">
-            <a:avLst/>
-          </a:prstGeom>
-        </p:spPr>
-      </p:pic>
-      <p:pic>
-        <p:nvPicPr>
-          <p:cNvPr id="9" name="Рисунок 8"/>
-          <p:cNvPicPr>
-            <a:picLocks noChangeAspect="1"/>
-          </p:cNvPicPr>
-          <p:nvPr/>
-        </p:nvPicPr>
-        <p:blipFill>
-          <a:blip r:embed="rId3">
-            <a:extLst>
-              <a:ext uri="{28A0092B-C50C-407E-A947-70E740481C1C}">
-                <a14:useLocalDpi xmlns:a14="http://schemas.microsoft.com/office/drawing/2010/main" val="0"/>
-              </a:ext>
-            </a:extLst>
-          </a:blip>
-          <a:stretch>
-            <a:fillRect/>
-          </a:stretch>
-        </p:blipFill>
-        <p:spPr>
-          <a:xfrm>
-            <a:off x="1440180" y="6064409"/>
-            <a:ext cx="745893" cy="517558"/>
-          </a:xfrm>
-          <a:prstGeom prst="rect">
-            <a:avLst/>
-          </a:prstGeom>
-        </p:spPr>
-      </p:pic>
-      <p:sp>
-        <p:nvSpPr>
-          <p:cNvPr id="10" name="Левая фигурная скобка 9"/>
-          <p:cNvSpPr/>
-          <p:nvPr/>
-        </p:nvSpPr>
-        <p:spPr>
-          <a:xfrm>
-            <a:off x="1097810" y="4299982"/>
-            <a:ext cx="203835" cy="2215119"/>
-          </a:xfrm>
-          <a:prstGeom prst="leftBrace">
-            <a:avLst/>
-          </a:prstGeom>
-        </p:spPr>
-        <p:style>
-          <a:lnRef idx="1">
-            <a:schemeClr val="accent1"/>
-          </a:lnRef>
-          <a:fillRef idx="0">
-            <a:schemeClr val="accent1"/>
-          </a:fillRef>
-          <a:effectRef idx="0">
-            <a:schemeClr val="accent1"/>
-          </a:effectRef>
-          <a:fontRef idx="minor">
-            <a:schemeClr val="tx1"/>
-          </a:fontRef>
-        </p:style>
-        <p:txBody>
-          <a:bodyPr rtlCol="0" anchor="ctr"/>
-          <a:lstStyle/>
-          <a:p>
-            <a:pPr algn="ctr"/>
-            <a:endParaRPr lang="ru-RU"/>
-          </a:p>
-        </p:txBody>
-      </p:sp>
-      <p:pic>
-        <p:nvPicPr>
-          <p:cNvPr id="11" name="Рисунок 10"/>
-          <p:cNvPicPr>
-            <a:picLocks noChangeAspect="1"/>
-          </p:cNvPicPr>
-          <p:nvPr/>
-        </p:nvPicPr>
-        <p:blipFill>
-          <a:blip r:embed="rId4">
-            <a:extLst>
-              <a:ext uri="{28A0092B-C50C-407E-A947-70E740481C1C}">
-                <a14:useLocalDpi xmlns:a14="http://schemas.microsoft.com/office/drawing/2010/main" val="0"/>
-              </a:ext>
-            </a:extLst>
-          </a:blip>
-          <a:stretch>
-            <a:fillRect/>
-          </a:stretch>
-        </p:blipFill>
-        <p:spPr>
-          <a:xfrm>
-            <a:off x="1440180" y="4361973"/>
-            <a:ext cx="745893" cy="507207"/>
-          </a:xfrm>
-          <a:prstGeom prst="rect">
-            <a:avLst/>
-          </a:prstGeom>
-        </p:spPr>
-      </p:pic>
-      <p:pic>
-        <p:nvPicPr>
-          <p:cNvPr id="12" name="Рисунок 11"/>
-          <p:cNvPicPr>
-            <a:picLocks noChangeAspect="1"/>
-          </p:cNvPicPr>
-          <p:nvPr/>
-        </p:nvPicPr>
-        <p:blipFill>
-          <a:blip r:embed="rId5">
-            <a:extLst>
-              <a:ext uri="{28A0092B-C50C-407E-A947-70E740481C1C}">
-                <a14:useLocalDpi xmlns:a14="http://schemas.microsoft.com/office/drawing/2010/main" val="0"/>
-              </a:ext>
-            </a:extLst>
-          </a:blip>
-          <a:stretch>
-            <a:fillRect/>
-          </a:stretch>
-        </p:blipFill>
-        <p:spPr>
-          <a:xfrm>
-            <a:off x="1440180" y="5480049"/>
-            <a:ext cx="745893" cy="563225"/>
+            <a:off x="973455" y="4323425"/>
+            <a:ext cx="2762251" cy="2095500"/>
           </a:xfrm>
           <a:prstGeom prst="rect">
             <a:avLst/>
@@ -6840,7 +6504,6 @@
               <a:rPr lang="ru-RU" dirty="0"/>
               <a:t>В результате были получены наглядные анимации динамики зонда в атмосфере Земли под влиянием различных физических явлений. При решении поставленных задач, научились моделировать процесс с определёнными целями с учётом различным факторов, зависящих от ситуации.</a:t>
             </a:r>
-            <a:endParaRPr lang="ru-RU" dirty="0"/>
           </a:p>
         </p:txBody>
       </p:sp>
@@ -7028,6 +6691,13 @@
   <p:clrMapOvr>
     <a:masterClrMapping/>
   </p:clrMapOvr>
+  <p:timing>
+    <p:tnLst>
+      <p:par>
+        <p:cTn id="1" dur="indefinite" restart="never" nodeType="tmRoot"/>
+      </p:par>
+    </p:tnLst>
+  </p:timing>
 </p:sld>
 </file>
 
@@ -7165,6 +6835,13 @@
   <p:clrMapOvr>
     <a:masterClrMapping/>
   </p:clrMapOvr>
+  <p:timing>
+    <p:tnLst>
+      <p:par>
+        <p:cTn id="1" dur="indefinite" restart="never" nodeType="tmRoot"/>
+      </p:par>
+    </p:tnLst>
+  </p:timing>
 </p:sld>
 </file>
 
